--- a/Presentation_Slides.pptx
+++ b/Presentation_Slides.pptx
@@ -5,10 +5,11 @@
     <p:sldMasterId id="2147483684" r:id="rId1"/>
   </p:sldMasterIdLst>
   <p:sldIdLst>
-    <p:sldId id="257" r:id="rId2"/>
-    <p:sldId id="261" r:id="rId3"/>
-    <p:sldId id="265" r:id="rId4"/>
-    <p:sldId id="264" r:id="rId5"/>
+    <p:sldId id="266" r:id="rId2"/>
+    <p:sldId id="257" r:id="rId3"/>
+    <p:sldId id="261" r:id="rId4"/>
+    <p:sldId id="265" r:id="rId5"/>
+    <p:sldId id="264" r:id="rId6"/>
   </p:sldIdLst>
   <p:sldSz cx="12192000" cy="6858000"/>
   <p:notesSz cx="6858000" cy="9144000"/>
@@ -837,7 +838,7 @@
           <a:p>
             <a:fld id="{66ED914D-E1A8-4A1F-8CA0-8327AE9AC93A}" type="datetimeFigureOut">
               <a:rPr lang="en-US" smtClean="0"/>
-              <a:t>10/23/2020</a:t>
+              <a:t>10/24/2020</a:t>
             </a:fld>
             <a:endParaRPr lang="en-US"/>
           </a:p>
@@ -1088,7 +1089,7 @@
           <a:p>
             <a:fld id="{66ED914D-E1A8-4A1F-8CA0-8327AE9AC93A}" type="datetimeFigureOut">
               <a:rPr lang="en-US" smtClean="0"/>
-              <a:t>10/23/2020</a:t>
+              <a:t>10/24/2020</a:t>
             </a:fld>
             <a:endParaRPr lang="en-US"/>
           </a:p>
@@ -1402,7 +1403,7 @@
           <a:p>
             <a:fld id="{66ED914D-E1A8-4A1F-8CA0-8327AE9AC93A}" type="datetimeFigureOut">
               <a:rPr lang="en-US" smtClean="0"/>
-              <a:t>10/23/2020</a:t>
+              <a:t>10/24/2020</a:t>
             </a:fld>
             <a:endParaRPr lang="en-US"/>
           </a:p>
@@ -1743,7 +1744,7 @@
           <a:p>
             <a:fld id="{66ED914D-E1A8-4A1F-8CA0-8327AE9AC93A}" type="datetimeFigureOut">
               <a:rPr lang="en-US" smtClean="0"/>
-              <a:t>10/23/2020</a:t>
+              <a:t>10/24/2020</a:t>
             </a:fld>
             <a:endParaRPr lang="en-US"/>
           </a:p>
@@ -2057,7 +2058,7 @@
           <a:p>
             <a:fld id="{66ED914D-E1A8-4A1F-8CA0-8327AE9AC93A}" type="datetimeFigureOut">
               <a:rPr lang="en-US" smtClean="0"/>
-              <a:t>10/23/2020</a:t>
+              <a:t>10/24/2020</a:t>
             </a:fld>
             <a:endParaRPr lang="en-US"/>
           </a:p>
@@ -2450,7 +2451,7 @@
           <a:p>
             <a:fld id="{66ED914D-E1A8-4A1F-8CA0-8327AE9AC93A}" type="datetimeFigureOut">
               <a:rPr lang="en-US" smtClean="0"/>
-              <a:t>10/23/2020</a:t>
+              <a:t>10/24/2020</a:t>
             </a:fld>
             <a:endParaRPr lang="en-US"/>
           </a:p>
@@ -2620,7 +2621,7 @@
           <a:p>
             <a:fld id="{66ED914D-E1A8-4A1F-8CA0-8327AE9AC93A}" type="datetimeFigureOut">
               <a:rPr lang="en-US" smtClean="0"/>
-              <a:t>10/23/2020</a:t>
+              <a:t>10/24/2020</a:t>
             </a:fld>
             <a:endParaRPr lang="en-US"/>
           </a:p>
@@ -2800,7 +2801,7 @@
           <a:p>
             <a:fld id="{66ED914D-E1A8-4A1F-8CA0-8327AE9AC93A}" type="datetimeFigureOut">
               <a:rPr lang="en-US" smtClean="0"/>
-              <a:t>10/23/2020</a:t>
+              <a:t>10/24/2020</a:t>
             </a:fld>
             <a:endParaRPr lang="en-US"/>
           </a:p>
@@ -2976,7 +2977,7 @@
           <a:p>
             <a:fld id="{66ED914D-E1A8-4A1F-8CA0-8327AE9AC93A}" type="datetimeFigureOut">
               <a:rPr lang="en-US" smtClean="0"/>
-              <a:t>10/23/2020</a:t>
+              <a:t>10/24/2020</a:t>
             </a:fld>
             <a:endParaRPr lang="en-US"/>
           </a:p>
@@ -3223,7 +3224,7 @@
           <a:p>
             <a:fld id="{66ED914D-E1A8-4A1F-8CA0-8327AE9AC93A}" type="datetimeFigureOut">
               <a:rPr lang="en-US" smtClean="0"/>
-              <a:t>10/23/2020</a:t>
+              <a:t>10/24/2020</a:t>
             </a:fld>
             <a:endParaRPr lang="en-US"/>
           </a:p>
@@ -3455,7 +3456,7 @@
           <a:p>
             <a:fld id="{66ED914D-E1A8-4A1F-8CA0-8327AE9AC93A}" type="datetimeFigureOut">
               <a:rPr lang="en-US" smtClean="0"/>
-              <a:t>10/23/2020</a:t>
+              <a:t>10/24/2020</a:t>
             </a:fld>
             <a:endParaRPr lang="en-US"/>
           </a:p>
@@ -3829,7 +3830,7 @@
           <a:p>
             <a:fld id="{66ED914D-E1A8-4A1F-8CA0-8327AE9AC93A}" type="datetimeFigureOut">
               <a:rPr lang="en-US" smtClean="0"/>
-              <a:t>10/23/2020</a:t>
+              <a:t>10/24/2020</a:t>
             </a:fld>
             <a:endParaRPr lang="en-US"/>
           </a:p>
@@ -3952,7 +3953,7 @@
           <a:p>
             <a:fld id="{66ED914D-E1A8-4A1F-8CA0-8327AE9AC93A}" type="datetimeFigureOut">
               <a:rPr lang="en-US" smtClean="0"/>
-              <a:t>10/23/2020</a:t>
+              <a:t>10/24/2020</a:t>
             </a:fld>
             <a:endParaRPr lang="en-US"/>
           </a:p>
@@ -4047,7 +4048,7 @@
           <a:p>
             <a:fld id="{66ED914D-E1A8-4A1F-8CA0-8327AE9AC93A}" type="datetimeFigureOut">
               <a:rPr lang="en-US" smtClean="0"/>
-              <a:t>10/23/2020</a:t>
+              <a:t>10/24/2020</a:t>
             </a:fld>
             <a:endParaRPr lang="en-US"/>
           </a:p>
@@ -4302,7 +4303,7 @@
           <a:p>
             <a:fld id="{66ED914D-E1A8-4A1F-8CA0-8327AE9AC93A}" type="datetimeFigureOut">
               <a:rPr lang="en-US" smtClean="0"/>
-              <a:t>10/23/2020</a:t>
+              <a:t>10/24/2020</a:t>
             </a:fld>
             <a:endParaRPr lang="en-US"/>
           </a:p>
@@ -4565,7 +4566,7 @@
           <a:p>
             <a:fld id="{66ED914D-E1A8-4A1F-8CA0-8327AE9AC93A}" type="datetimeFigureOut">
               <a:rPr lang="en-US" smtClean="0"/>
-              <a:t>10/23/2020</a:t>
+              <a:t>10/24/2020</a:t>
             </a:fld>
             <a:endParaRPr lang="en-US"/>
           </a:p>
@@ -5308,7 +5309,7 @@
           <a:p>
             <a:fld id="{66ED914D-E1A8-4A1F-8CA0-8327AE9AC93A}" type="datetimeFigureOut">
               <a:rPr lang="en-US" smtClean="0"/>
-              <a:t>10/23/2020</a:t>
+              <a:t>10/24/2020</a:t>
             </a:fld>
             <a:endParaRPr lang="en-US"/>
           </a:p>
@@ -5837,6 +5838,133 @@
           <p:cNvPr id="2" name="Title 1">
             <a:extLst>
               <a:ext uri="{FF2B5EF4-FFF2-40B4-BE49-F238E27FC236}">
+                <a16:creationId xmlns:a16="http://schemas.microsoft.com/office/drawing/2014/main" id="{737F83D1-BBEA-4543-9A97-B454E887516F}"/>
+              </a:ext>
+            </a:extLst>
+          </p:cNvPr>
+          <p:cNvSpPr>
+            <a:spLocks noGrp="1"/>
+          </p:cNvSpPr>
+          <p:nvPr>
+            <p:ph type="ctrTitle"/>
+          </p:nvPr>
+        </p:nvSpPr>
+        <p:spPr>
+          <a:xfrm>
+            <a:off x="1507066" y="712694"/>
+            <a:ext cx="7946215" cy="1264024"/>
+          </a:xfrm>
+        </p:spPr>
+        <p:txBody>
+          <a:bodyPr/>
+          <a:lstStyle/>
+          <a:p>
+            <a:r>
+              <a:rPr lang="en-US" dirty="0"/>
+              <a:t>Jungle Break</a:t>
+            </a:r>
+          </a:p>
+        </p:txBody>
+      </p:sp>
+      <p:sp>
+        <p:nvSpPr>
+          <p:cNvPr id="3" name="Subtitle 2">
+            <a:extLst>
+              <a:ext uri="{FF2B5EF4-FFF2-40B4-BE49-F238E27FC236}">
+                <a16:creationId xmlns:a16="http://schemas.microsoft.com/office/drawing/2014/main" id="{12858698-0C49-4ABC-B717-801F550C6C93}"/>
+              </a:ext>
+            </a:extLst>
+          </p:cNvPr>
+          <p:cNvSpPr>
+            <a:spLocks noGrp="1"/>
+          </p:cNvSpPr>
+          <p:nvPr>
+            <p:ph type="subTitle" idx="1"/>
+          </p:nvPr>
+        </p:nvSpPr>
+        <p:spPr>
+          <a:xfrm>
+            <a:off x="1196788" y="2070847"/>
+            <a:ext cx="8256494" cy="3076885"/>
+          </a:xfrm>
+        </p:spPr>
+        <p:txBody>
+          <a:bodyPr/>
+          <a:lstStyle/>
+          <a:p>
+            <a:r>
+              <a:rPr lang="en-US" dirty="0"/>
+              <a:t>Presentation Slides</a:t>
+            </a:r>
+          </a:p>
+          <a:p>
+            <a:r>
+              <a:rPr lang="en-US" dirty="0"/>
+              <a:t>Team C</a:t>
+            </a:r>
+          </a:p>
+          <a:p>
+            <a:r>
+              <a:rPr lang="en-US" dirty="0"/>
+              <a:t>Brian Warner, Eric </a:t>
+            </a:r>
+            <a:r>
+              <a:rPr lang="en-US" dirty="0" err="1"/>
+              <a:t>Ausland</a:t>
+            </a:r>
+            <a:r>
+              <a:rPr lang="en-US" dirty="0"/>
+              <a:t>, Taylor </a:t>
+            </a:r>
+            <a:r>
+              <a:rPr lang="en-US" dirty="0" err="1"/>
+              <a:t>Dragoo</a:t>
+            </a:r>
+            <a:r>
+              <a:rPr lang="en-US" dirty="0"/>
+              <a:t>, Demarcus Jackson &amp; Elisha Schultz</a:t>
+            </a:r>
+          </a:p>
+          <a:p>
+            <a:endParaRPr lang="en-US" dirty="0"/>
+          </a:p>
+        </p:txBody>
+      </p:sp>
+    </p:spTree>
+    <p:extLst>
+      <p:ext uri="{BB962C8B-B14F-4D97-AF65-F5344CB8AC3E}">
+        <p14:creationId xmlns:p14="http://schemas.microsoft.com/office/powerpoint/2010/main" val="2706080281"/>
+      </p:ext>
+    </p:extLst>
+  </p:cSld>
+  <p:clrMapOvr>
+    <a:masterClrMapping/>
+  </p:clrMapOvr>
+</p:sld>
+</file>
+
+<file path=ppt/slides/slide2.xml><?xml version="1.0" encoding="utf-8"?>
+<p:sld xmlns:a="http://schemas.openxmlformats.org/drawingml/2006/main" xmlns:r="http://schemas.openxmlformats.org/officeDocument/2006/relationships" xmlns:p="http://schemas.openxmlformats.org/presentationml/2006/main">
+  <p:cSld>
+    <p:spTree>
+      <p:nvGrpSpPr>
+        <p:cNvPr id="1" name=""/>
+        <p:cNvGrpSpPr/>
+        <p:nvPr/>
+      </p:nvGrpSpPr>
+      <p:grpSpPr>
+        <a:xfrm>
+          <a:off x="0" y="0"/>
+          <a:ext cx="0" cy="0"/>
+          <a:chOff x="0" y="0"/>
+          <a:chExt cx="0" cy="0"/>
+        </a:xfrm>
+      </p:grpSpPr>
+      <p:sp>
+        <p:nvSpPr>
+          <p:cNvPr id="2" name="Title 1">
+            <a:extLst>
+              <a:ext uri="{FF2B5EF4-FFF2-40B4-BE49-F238E27FC236}">
                 <a16:creationId xmlns:a16="http://schemas.microsoft.com/office/drawing/2014/main" id="{994698C1-6B2B-445B-B7E0-F344EAEEE0D9}"/>
               </a:ext>
             </a:extLst>
@@ -5855,15 +5983,8 @@
           <a:p>
             <a:pPr algn="ctr"/>
             <a:r>
-              <a:rPr lang="en-US" dirty="0"/>
-              <a:t>Jungle Break</a:t>
-            </a:r>
-            <a:br>
-              <a:rPr lang="en-US" dirty="0"/>
-            </a:br>
-            <a:r>
               <a:rPr lang="en-US" i="1" dirty="0"/>
-              <a:t>Who does the system benefit?</a:t>
+              <a:t>Who does Jungle Break benefit?</a:t>
             </a:r>
             <a:endParaRPr lang="en-US" dirty="0"/>
           </a:p>
@@ -5984,7 +6105,7 @@
 </p:sld>
 </file>
 
-<file path=ppt/slides/slide2.xml><?xml version="1.0" encoding="utf-8"?>
+<file path=ppt/slides/slide3.xml><?xml version="1.0" encoding="utf-8"?>
 <p:sld xmlns:a="http://schemas.openxmlformats.org/drawingml/2006/main" xmlns:r="http://schemas.openxmlformats.org/officeDocument/2006/relationships" xmlns:p="http://schemas.openxmlformats.org/presentationml/2006/main">
   <p:cSld>
     <p:spTree>
@@ -6143,7 +6264,7 @@
 </p:sld>
 </file>
 
-<file path=ppt/slides/slide3.xml><?xml version="1.0" encoding="utf-8"?>
+<file path=ppt/slides/slide4.xml><?xml version="1.0" encoding="utf-8"?>
 <p:sld xmlns:a="http://schemas.openxmlformats.org/drawingml/2006/main" xmlns:r="http://schemas.openxmlformats.org/officeDocument/2006/relationships" xmlns:p="http://schemas.openxmlformats.org/presentationml/2006/main">
   <p:cSld>
     <p:bg>
@@ -6372,7 +6493,7 @@
 </p:sld>
 </file>
 
-<file path=ppt/slides/slide4.xml><?xml version="1.0" encoding="utf-8"?>
+<file path=ppt/slides/slide5.xml><?xml version="1.0" encoding="utf-8"?>
 <p:sld xmlns:a="http://schemas.openxmlformats.org/drawingml/2006/main" xmlns:r="http://schemas.openxmlformats.org/officeDocument/2006/relationships" xmlns:p="http://schemas.openxmlformats.org/presentationml/2006/main">
   <p:cSld>
     <p:spTree>

--- a/Presentation_Slides.pptx
+++ b/Presentation_Slides.pptx
@@ -5,11 +5,10 @@
     <p:sldMasterId id="2147483684" r:id="rId1"/>
   </p:sldMasterIdLst>
   <p:sldIdLst>
-    <p:sldId id="266" r:id="rId2"/>
-    <p:sldId id="257" r:id="rId3"/>
-    <p:sldId id="261" r:id="rId4"/>
-    <p:sldId id="265" r:id="rId5"/>
-    <p:sldId id="264" r:id="rId6"/>
+    <p:sldId id="257" r:id="rId2"/>
+    <p:sldId id="261" r:id="rId3"/>
+    <p:sldId id="265" r:id="rId4"/>
+    <p:sldId id="264" r:id="rId5"/>
   </p:sldIdLst>
   <p:sldSz cx="12192000" cy="6858000"/>
   <p:notesSz cx="6858000" cy="9144000"/>
@@ -838,7 +837,7 @@
           <a:p>
             <a:fld id="{66ED914D-E1A8-4A1F-8CA0-8327AE9AC93A}" type="datetimeFigureOut">
               <a:rPr lang="en-US" smtClean="0"/>
-              <a:t>10/24/2020</a:t>
+              <a:t>10/25/2020</a:t>
             </a:fld>
             <a:endParaRPr lang="en-US"/>
           </a:p>
@@ -1089,7 +1088,7 @@
           <a:p>
             <a:fld id="{66ED914D-E1A8-4A1F-8CA0-8327AE9AC93A}" type="datetimeFigureOut">
               <a:rPr lang="en-US" smtClean="0"/>
-              <a:t>10/24/2020</a:t>
+              <a:t>10/25/2020</a:t>
             </a:fld>
             <a:endParaRPr lang="en-US"/>
           </a:p>
@@ -1403,7 +1402,7 @@
           <a:p>
             <a:fld id="{66ED914D-E1A8-4A1F-8CA0-8327AE9AC93A}" type="datetimeFigureOut">
               <a:rPr lang="en-US" smtClean="0"/>
-              <a:t>10/24/2020</a:t>
+              <a:t>10/25/2020</a:t>
             </a:fld>
             <a:endParaRPr lang="en-US"/>
           </a:p>
@@ -1744,7 +1743,7 @@
           <a:p>
             <a:fld id="{66ED914D-E1A8-4A1F-8CA0-8327AE9AC93A}" type="datetimeFigureOut">
               <a:rPr lang="en-US" smtClean="0"/>
-              <a:t>10/24/2020</a:t>
+              <a:t>10/25/2020</a:t>
             </a:fld>
             <a:endParaRPr lang="en-US"/>
           </a:p>
@@ -2058,7 +2057,7 @@
           <a:p>
             <a:fld id="{66ED914D-E1A8-4A1F-8CA0-8327AE9AC93A}" type="datetimeFigureOut">
               <a:rPr lang="en-US" smtClean="0"/>
-              <a:t>10/24/2020</a:t>
+              <a:t>10/25/2020</a:t>
             </a:fld>
             <a:endParaRPr lang="en-US"/>
           </a:p>
@@ -2451,7 +2450,7 @@
           <a:p>
             <a:fld id="{66ED914D-E1A8-4A1F-8CA0-8327AE9AC93A}" type="datetimeFigureOut">
               <a:rPr lang="en-US" smtClean="0"/>
-              <a:t>10/24/2020</a:t>
+              <a:t>10/25/2020</a:t>
             </a:fld>
             <a:endParaRPr lang="en-US"/>
           </a:p>
@@ -2621,7 +2620,7 @@
           <a:p>
             <a:fld id="{66ED914D-E1A8-4A1F-8CA0-8327AE9AC93A}" type="datetimeFigureOut">
               <a:rPr lang="en-US" smtClean="0"/>
-              <a:t>10/24/2020</a:t>
+              <a:t>10/25/2020</a:t>
             </a:fld>
             <a:endParaRPr lang="en-US"/>
           </a:p>
@@ -2801,7 +2800,7 @@
           <a:p>
             <a:fld id="{66ED914D-E1A8-4A1F-8CA0-8327AE9AC93A}" type="datetimeFigureOut">
               <a:rPr lang="en-US" smtClean="0"/>
-              <a:t>10/24/2020</a:t>
+              <a:t>10/25/2020</a:t>
             </a:fld>
             <a:endParaRPr lang="en-US"/>
           </a:p>
@@ -2977,7 +2976,7 @@
           <a:p>
             <a:fld id="{66ED914D-E1A8-4A1F-8CA0-8327AE9AC93A}" type="datetimeFigureOut">
               <a:rPr lang="en-US" smtClean="0"/>
-              <a:t>10/24/2020</a:t>
+              <a:t>10/25/2020</a:t>
             </a:fld>
             <a:endParaRPr lang="en-US"/>
           </a:p>
@@ -3224,7 +3223,7 @@
           <a:p>
             <a:fld id="{66ED914D-E1A8-4A1F-8CA0-8327AE9AC93A}" type="datetimeFigureOut">
               <a:rPr lang="en-US" smtClean="0"/>
-              <a:t>10/24/2020</a:t>
+              <a:t>10/25/2020</a:t>
             </a:fld>
             <a:endParaRPr lang="en-US"/>
           </a:p>
@@ -3456,7 +3455,7 @@
           <a:p>
             <a:fld id="{66ED914D-E1A8-4A1F-8CA0-8327AE9AC93A}" type="datetimeFigureOut">
               <a:rPr lang="en-US" smtClean="0"/>
-              <a:t>10/24/2020</a:t>
+              <a:t>10/25/2020</a:t>
             </a:fld>
             <a:endParaRPr lang="en-US"/>
           </a:p>
@@ -3830,7 +3829,7 @@
           <a:p>
             <a:fld id="{66ED914D-E1A8-4A1F-8CA0-8327AE9AC93A}" type="datetimeFigureOut">
               <a:rPr lang="en-US" smtClean="0"/>
-              <a:t>10/24/2020</a:t>
+              <a:t>10/25/2020</a:t>
             </a:fld>
             <a:endParaRPr lang="en-US"/>
           </a:p>
@@ -3953,7 +3952,7 @@
           <a:p>
             <a:fld id="{66ED914D-E1A8-4A1F-8CA0-8327AE9AC93A}" type="datetimeFigureOut">
               <a:rPr lang="en-US" smtClean="0"/>
-              <a:t>10/24/2020</a:t>
+              <a:t>10/25/2020</a:t>
             </a:fld>
             <a:endParaRPr lang="en-US"/>
           </a:p>
@@ -4048,7 +4047,7 @@
           <a:p>
             <a:fld id="{66ED914D-E1A8-4A1F-8CA0-8327AE9AC93A}" type="datetimeFigureOut">
               <a:rPr lang="en-US" smtClean="0"/>
-              <a:t>10/24/2020</a:t>
+              <a:t>10/25/2020</a:t>
             </a:fld>
             <a:endParaRPr lang="en-US"/>
           </a:p>
@@ -4303,7 +4302,7 @@
           <a:p>
             <a:fld id="{66ED914D-E1A8-4A1F-8CA0-8327AE9AC93A}" type="datetimeFigureOut">
               <a:rPr lang="en-US" smtClean="0"/>
-              <a:t>10/24/2020</a:t>
+              <a:t>10/25/2020</a:t>
             </a:fld>
             <a:endParaRPr lang="en-US"/>
           </a:p>
@@ -4566,7 +4565,7 @@
           <a:p>
             <a:fld id="{66ED914D-E1A8-4A1F-8CA0-8327AE9AC93A}" type="datetimeFigureOut">
               <a:rPr lang="en-US" smtClean="0"/>
-              <a:t>10/24/2020</a:t>
+              <a:t>10/25/2020</a:t>
             </a:fld>
             <a:endParaRPr lang="en-US"/>
           </a:p>
@@ -5309,7 +5308,7 @@
           <a:p>
             <a:fld id="{66ED914D-E1A8-4A1F-8CA0-8327AE9AC93A}" type="datetimeFigureOut">
               <a:rPr lang="en-US" smtClean="0"/>
-              <a:t>10/24/2020</a:t>
+              <a:t>10/25/2020</a:t>
             </a:fld>
             <a:endParaRPr lang="en-US"/>
           </a:p>
@@ -5838,133 +5837,6 @@
           <p:cNvPr id="2" name="Title 1">
             <a:extLst>
               <a:ext uri="{FF2B5EF4-FFF2-40B4-BE49-F238E27FC236}">
-                <a16:creationId xmlns:a16="http://schemas.microsoft.com/office/drawing/2014/main" id="{737F83D1-BBEA-4543-9A97-B454E887516F}"/>
-              </a:ext>
-            </a:extLst>
-          </p:cNvPr>
-          <p:cNvSpPr>
-            <a:spLocks noGrp="1"/>
-          </p:cNvSpPr>
-          <p:nvPr>
-            <p:ph type="ctrTitle"/>
-          </p:nvPr>
-        </p:nvSpPr>
-        <p:spPr>
-          <a:xfrm>
-            <a:off x="1507066" y="712694"/>
-            <a:ext cx="7946215" cy="1264024"/>
-          </a:xfrm>
-        </p:spPr>
-        <p:txBody>
-          <a:bodyPr/>
-          <a:lstStyle/>
-          <a:p>
-            <a:r>
-              <a:rPr lang="en-US" dirty="0"/>
-              <a:t>Jungle Break</a:t>
-            </a:r>
-          </a:p>
-        </p:txBody>
-      </p:sp>
-      <p:sp>
-        <p:nvSpPr>
-          <p:cNvPr id="3" name="Subtitle 2">
-            <a:extLst>
-              <a:ext uri="{FF2B5EF4-FFF2-40B4-BE49-F238E27FC236}">
-                <a16:creationId xmlns:a16="http://schemas.microsoft.com/office/drawing/2014/main" id="{12858698-0C49-4ABC-B717-801F550C6C93}"/>
-              </a:ext>
-            </a:extLst>
-          </p:cNvPr>
-          <p:cNvSpPr>
-            <a:spLocks noGrp="1"/>
-          </p:cNvSpPr>
-          <p:nvPr>
-            <p:ph type="subTitle" idx="1"/>
-          </p:nvPr>
-        </p:nvSpPr>
-        <p:spPr>
-          <a:xfrm>
-            <a:off x="1196788" y="2070847"/>
-            <a:ext cx="8256494" cy="3076885"/>
-          </a:xfrm>
-        </p:spPr>
-        <p:txBody>
-          <a:bodyPr/>
-          <a:lstStyle/>
-          <a:p>
-            <a:r>
-              <a:rPr lang="en-US" dirty="0"/>
-              <a:t>Presentation Slides</a:t>
-            </a:r>
-          </a:p>
-          <a:p>
-            <a:r>
-              <a:rPr lang="en-US" dirty="0"/>
-              <a:t>Team C</a:t>
-            </a:r>
-          </a:p>
-          <a:p>
-            <a:r>
-              <a:rPr lang="en-US" dirty="0"/>
-              <a:t>Brian Warner, Eric </a:t>
-            </a:r>
-            <a:r>
-              <a:rPr lang="en-US" dirty="0" err="1"/>
-              <a:t>Ausland</a:t>
-            </a:r>
-            <a:r>
-              <a:rPr lang="en-US" dirty="0"/>
-              <a:t>, Taylor </a:t>
-            </a:r>
-            <a:r>
-              <a:rPr lang="en-US" dirty="0" err="1"/>
-              <a:t>Dragoo</a:t>
-            </a:r>
-            <a:r>
-              <a:rPr lang="en-US" dirty="0"/>
-              <a:t>, Demarcus Jackson &amp; Elisha Schultz</a:t>
-            </a:r>
-          </a:p>
-          <a:p>
-            <a:endParaRPr lang="en-US" dirty="0"/>
-          </a:p>
-        </p:txBody>
-      </p:sp>
-    </p:spTree>
-    <p:extLst>
-      <p:ext uri="{BB962C8B-B14F-4D97-AF65-F5344CB8AC3E}">
-        <p14:creationId xmlns:p14="http://schemas.microsoft.com/office/powerpoint/2010/main" val="2706080281"/>
-      </p:ext>
-    </p:extLst>
-  </p:cSld>
-  <p:clrMapOvr>
-    <a:masterClrMapping/>
-  </p:clrMapOvr>
-</p:sld>
-</file>
-
-<file path=ppt/slides/slide2.xml><?xml version="1.0" encoding="utf-8"?>
-<p:sld xmlns:a="http://schemas.openxmlformats.org/drawingml/2006/main" xmlns:r="http://schemas.openxmlformats.org/officeDocument/2006/relationships" xmlns:p="http://schemas.openxmlformats.org/presentationml/2006/main">
-  <p:cSld>
-    <p:spTree>
-      <p:nvGrpSpPr>
-        <p:cNvPr id="1" name=""/>
-        <p:cNvGrpSpPr/>
-        <p:nvPr/>
-      </p:nvGrpSpPr>
-      <p:grpSpPr>
-        <a:xfrm>
-          <a:off x="0" y="0"/>
-          <a:ext cx="0" cy="0"/>
-          <a:chOff x="0" y="0"/>
-          <a:chExt cx="0" cy="0"/>
-        </a:xfrm>
-      </p:grpSpPr>
-      <p:sp>
-        <p:nvSpPr>
-          <p:cNvPr id="2" name="Title 1">
-            <a:extLst>
-              <a:ext uri="{FF2B5EF4-FFF2-40B4-BE49-F238E27FC236}">
                 <a16:creationId xmlns:a16="http://schemas.microsoft.com/office/drawing/2014/main" id="{994698C1-6B2B-445B-B7E0-F344EAEEE0D9}"/>
               </a:ext>
             </a:extLst>
@@ -6105,7 +5977,7 @@
 </p:sld>
 </file>
 
-<file path=ppt/slides/slide3.xml><?xml version="1.0" encoding="utf-8"?>
+<file path=ppt/slides/slide2.xml><?xml version="1.0" encoding="utf-8"?>
 <p:sld xmlns:a="http://schemas.openxmlformats.org/drawingml/2006/main" xmlns:r="http://schemas.openxmlformats.org/officeDocument/2006/relationships" xmlns:p="http://schemas.openxmlformats.org/presentationml/2006/main">
   <p:cSld>
     <p:spTree>
@@ -6264,7 +6136,7 @@
 </p:sld>
 </file>
 
-<file path=ppt/slides/slide4.xml><?xml version="1.0" encoding="utf-8"?>
+<file path=ppt/slides/slide3.xml><?xml version="1.0" encoding="utf-8"?>
 <p:sld xmlns:a="http://schemas.openxmlformats.org/drawingml/2006/main" xmlns:r="http://schemas.openxmlformats.org/officeDocument/2006/relationships" xmlns:p="http://schemas.openxmlformats.org/presentationml/2006/main">
   <p:cSld>
     <p:bg>
@@ -6493,7 +6365,7 @@
 </p:sld>
 </file>
 
-<file path=ppt/slides/slide5.xml><?xml version="1.0" encoding="utf-8"?>
+<file path=ppt/slides/slide4.xml><?xml version="1.0" encoding="utf-8"?>
 <p:sld xmlns:a="http://schemas.openxmlformats.org/drawingml/2006/main" xmlns:r="http://schemas.openxmlformats.org/officeDocument/2006/relationships" xmlns:p="http://schemas.openxmlformats.org/presentationml/2006/main">
   <p:cSld>
     <p:spTree>

--- a/Presentation_Slides.pptx
+++ b/Presentation_Slides.pptx
@@ -837,7 +837,7 @@
           <a:p>
             <a:fld id="{66ED914D-E1A8-4A1F-8CA0-8327AE9AC93A}" type="datetimeFigureOut">
               <a:rPr lang="en-US" smtClean="0"/>
-              <a:t>10/25/2020</a:t>
+              <a:t>10/23/2020</a:t>
             </a:fld>
             <a:endParaRPr lang="en-US"/>
           </a:p>
@@ -1088,7 +1088,7 @@
           <a:p>
             <a:fld id="{66ED914D-E1A8-4A1F-8CA0-8327AE9AC93A}" type="datetimeFigureOut">
               <a:rPr lang="en-US" smtClean="0"/>
-              <a:t>10/25/2020</a:t>
+              <a:t>10/23/2020</a:t>
             </a:fld>
             <a:endParaRPr lang="en-US"/>
           </a:p>
@@ -1402,7 +1402,7 @@
           <a:p>
             <a:fld id="{66ED914D-E1A8-4A1F-8CA0-8327AE9AC93A}" type="datetimeFigureOut">
               <a:rPr lang="en-US" smtClean="0"/>
-              <a:t>10/25/2020</a:t>
+              <a:t>10/23/2020</a:t>
             </a:fld>
             <a:endParaRPr lang="en-US"/>
           </a:p>
@@ -1743,7 +1743,7 @@
           <a:p>
             <a:fld id="{66ED914D-E1A8-4A1F-8CA0-8327AE9AC93A}" type="datetimeFigureOut">
               <a:rPr lang="en-US" smtClean="0"/>
-              <a:t>10/25/2020</a:t>
+              <a:t>10/23/2020</a:t>
             </a:fld>
             <a:endParaRPr lang="en-US"/>
           </a:p>
@@ -2057,7 +2057,7 @@
           <a:p>
             <a:fld id="{66ED914D-E1A8-4A1F-8CA0-8327AE9AC93A}" type="datetimeFigureOut">
               <a:rPr lang="en-US" smtClean="0"/>
-              <a:t>10/25/2020</a:t>
+              <a:t>10/23/2020</a:t>
             </a:fld>
             <a:endParaRPr lang="en-US"/>
           </a:p>
@@ -2450,7 +2450,7 @@
           <a:p>
             <a:fld id="{66ED914D-E1A8-4A1F-8CA0-8327AE9AC93A}" type="datetimeFigureOut">
               <a:rPr lang="en-US" smtClean="0"/>
-              <a:t>10/25/2020</a:t>
+              <a:t>10/23/2020</a:t>
             </a:fld>
             <a:endParaRPr lang="en-US"/>
           </a:p>
@@ -2620,7 +2620,7 @@
           <a:p>
             <a:fld id="{66ED914D-E1A8-4A1F-8CA0-8327AE9AC93A}" type="datetimeFigureOut">
               <a:rPr lang="en-US" smtClean="0"/>
-              <a:t>10/25/2020</a:t>
+              <a:t>10/23/2020</a:t>
             </a:fld>
             <a:endParaRPr lang="en-US"/>
           </a:p>
@@ -2800,7 +2800,7 @@
           <a:p>
             <a:fld id="{66ED914D-E1A8-4A1F-8CA0-8327AE9AC93A}" type="datetimeFigureOut">
               <a:rPr lang="en-US" smtClean="0"/>
-              <a:t>10/25/2020</a:t>
+              <a:t>10/23/2020</a:t>
             </a:fld>
             <a:endParaRPr lang="en-US"/>
           </a:p>
@@ -2976,7 +2976,7 @@
           <a:p>
             <a:fld id="{66ED914D-E1A8-4A1F-8CA0-8327AE9AC93A}" type="datetimeFigureOut">
               <a:rPr lang="en-US" smtClean="0"/>
-              <a:t>10/25/2020</a:t>
+              <a:t>10/23/2020</a:t>
             </a:fld>
             <a:endParaRPr lang="en-US"/>
           </a:p>
@@ -3223,7 +3223,7 @@
           <a:p>
             <a:fld id="{66ED914D-E1A8-4A1F-8CA0-8327AE9AC93A}" type="datetimeFigureOut">
               <a:rPr lang="en-US" smtClean="0"/>
-              <a:t>10/25/2020</a:t>
+              <a:t>10/23/2020</a:t>
             </a:fld>
             <a:endParaRPr lang="en-US"/>
           </a:p>
@@ -3455,7 +3455,7 @@
           <a:p>
             <a:fld id="{66ED914D-E1A8-4A1F-8CA0-8327AE9AC93A}" type="datetimeFigureOut">
               <a:rPr lang="en-US" smtClean="0"/>
-              <a:t>10/25/2020</a:t>
+              <a:t>10/23/2020</a:t>
             </a:fld>
             <a:endParaRPr lang="en-US"/>
           </a:p>
@@ -3829,7 +3829,7 @@
           <a:p>
             <a:fld id="{66ED914D-E1A8-4A1F-8CA0-8327AE9AC93A}" type="datetimeFigureOut">
               <a:rPr lang="en-US" smtClean="0"/>
-              <a:t>10/25/2020</a:t>
+              <a:t>10/23/2020</a:t>
             </a:fld>
             <a:endParaRPr lang="en-US"/>
           </a:p>
@@ -3952,7 +3952,7 @@
           <a:p>
             <a:fld id="{66ED914D-E1A8-4A1F-8CA0-8327AE9AC93A}" type="datetimeFigureOut">
               <a:rPr lang="en-US" smtClean="0"/>
-              <a:t>10/25/2020</a:t>
+              <a:t>10/23/2020</a:t>
             </a:fld>
             <a:endParaRPr lang="en-US"/>
           </a:p>
@@ -4047,7 +4047,7 @@
           <a:p>
             <a:fld id="{66ED914D-E1A8-4A1F-8CA0-8327AE9AC93A}" type="datetimeFigureOut">
               <a:rPr lang="en-US" smtClean="0"/>
-              <a:t>10/25/2020</a:t>
+              <a:t>10/23/2020</a:t>
             </a:fld>
             <a:endParaRPr lang="en-US"/>
           </a:p>
@@ -4302,7 +4302,7 @@
           <a:p>
             <a:fld id="{66ED914D-E1A8-4A1F-8CA0-8327AE9AC93A}" type="datetimeFigureOut">
               <a:rPr lang="en-US" smtClean="0"/>
-              <a:t>10/25/2020</a:t>
+              <a:t>10/23/2020</a:t>
             </a:fld>
             <a:endParaRPr lang="en-US"/>
           </a:p>
@@ -4565,7 +4565,7 @@
           <a:p>
             <a:fld id="{66ED914D-E1A8-4A1F-8CA0-8327AE9AC93A}" type="datetimeFigureOut">
               <a:rPr lang="en-US" smtClean="0"/>
-              <a:t>10/25/2020</a:t>
+              <a:t>10/23/2020</a:t>
             </a:fld>
             <a:endParaRPr lang="en-US"/>
           </a:p>
@@ -5308,7 +5308,7 @@
           <a:p>
             <a:fld id="{66ED914D-E1A8-4A1F-8CA0-8327AE9AC93A}" type="datetimeFigureOut">
               <a:rPr lang="en-US" smtClean="0"/>
-              <a:t>10/25/2020</a:t>
+              <a:t>10/23/2020</a:t>
             </a:fld>
             <a:endParaRPr lang="en-US"/>
           </a:p>
@@ -5855,8 +5855,15 @@
           <a:p>
             <a:pPr algn="ctr"/>
             <a:r>
+              <a:rPr lang="en-US" dirty="0"/>
+              <a:t>Jungle Break</a:t>
+            </a:r>
+            <a:br>
+              <a:rPr lang="en-US" dirty="0"/>
+            </a:br>
+            <a:r>
               <a:rPr lang="en-US" i="1" dirty="0"/>
-              <a:t>Who does Jungle Break benefit?</a:t>
+              <a:t>Who does the system benefit?</a:t>
             </a:r>
             <a:endParaRPr lang="en-US" dirty="0"/>
           </a:p>
